--- a/클라우드가상화_양지웅.pptx
+++ b/클라우드가상화_양지웅.pptx
@@ -23,7 +23,7 @@
   <p:notesSz cx="6858000" cy="9144000"/>
   <p:embeddedFontLst>
     <p:embeddedFont>
-      <p:font typeface="Pretendard ExtraBold" panose="020B0600000101010101" charset="-127"/>
+      <p:font typeface="Pretendard ExtraBold" panose="02000903000000020004" pitchFamily="50" charset="-127"/>
       <p:bold r:id="rId15"/>
     </p:embeddedFont>
     <p:embeddedFont>
@@ -186,7 +186,7 @@
           <a:p>
             <a:fld id="{ECDD8559-E00F-4929-B36E-6AED35091A08}" type="datetimeFigureOut">
               <a:rPr lang="ko-KR" altLang="en-US" smtClean="0"/>
-              <a:t>2023-06-12-Monday</a:t>
+              <a:t>2023-06-18 Sunday</a:t>
             </a:fld>
             <a:endParaRPr lang="ko-KR" altLang="en-US"/>
           </a:p>
@@ -406,7 +406,7 @@
           <a:p>
             <a:fld id="{ECDD8559-E00F-4929-B36E-6AED35091A08}" type="datetimeFigureOut">
               <a:rPr lang="ko-KR" altLang="en-US" smtClean="0"/>
-              <a:t>2023-06-12-Monday</a:t>
+              <a:t>2023-06-18 Sunday</a:t>
             </a:fld>
             <a:endParaRPr lang="ko-KR" altLang="en-US"/>
           </a:p>
@@ -736,7 +736,7 @@
           <a:p>
             <a:fld id="{ECDD8559-E00F-4929-B36E-6AED35091A08}" type="datetimeFigureOut">
               <a:rPr lang="ko-KR" altLang="en-US" smtClean="0"/>
-              <a:t>2023-06-12-Monday</a:t>
+              <a:t>2023-06-18 Sunday</a:t>
             </a:fld>
             <a:endParaRPr lang="ko-KR" altLang="en-US"/>
           </a:p>
@@ -2756,7 +2756,7 @@
         <p:spPr>
           <a:xfrm>
             <a:off x="629174" y="1392572"/>
-            <a:ext cx="8649050" cy="2677656"/>
+            <a:ext cx="8649050" cy="3785652"/>
           </a:xfrm>
           <a:prstGeom prst="rect">
             <a:avLst/>
@@ -2833,6 +2833,46 @@
               <a:buFontTx/>
               <a:buChar char="-"/>
             </a:pPr>
+            <a:endParaRPr lang="en-US" altLang="ko-KR" sz="2400" dirty="0">
+              <a:latin typeface="맑은 고딕" panose="020B0503020000020004" pitchFamily="50" charset="-127"/>
+              <a:ea typeface="맑은 고딕" panose="020B0503020000020004" pitchFamily="50" charset="-127"/>
+            </a:endParaRPr>
+          </a:p>
+          <a:p>
+            <a:pPr marL="342900" indent="-342900">
+              <a:buFontTx/>
+              <a:buChar char="-"/>
+            </a:pPr>
+            <a:endParaRPr lang="en-US" altLang="ko-KR" sz="2400" dirty="0">
+              <a:latin typeface="맑은 고딕" panose="020B0503020000020004" pitchFamily="50" charset="-127"/>
+              <a:ea typeface="맑은 고딕" panose="020B0503020000020004" pitchFamily="50" charset="-127"/>
+            </a:endParaRPr>
+          </a:p>
+          <a:p>
+            <a:endParaRPr lang="en-US" altLang="ko-KR" sz="2400" dirty="0">
+              <a:latin typeface="맑은 고딕" panose="020B0503020000020004" pitchFamily="50" charset="-127"/>
+              <a:ea typeface="맑은 고딕" panose="020B0503020000020004" pitchFamily="50" charset="-127"/>
+            </a:endParaRPr>
+          </a:p>
+          <a:p>
+            <a:pPr marL="342900" indent="-342900">
+              <a:buFontTx/>
+              <a:buChar char="-"/>
+            </a:pPr>
+            <a:r>
+              <a:rPr lang="en-US" altLang="ko-KR" sz="2400" dirty="0" err="1">
+                <a:latin typeface="맑은 고딕" panose="020B0503020000020004" pitchFamily="50" charset="-127"/>
+                <a:ea typeface="맑은 고딕" panose="020B0503020000020004" pitchFamily="50" charset="-127"/>
+              </a:rPr>
+              <a:t>github</a:t>
+            </a:r>
+            <a:r>
+              <a:rPr lang="en-US" altLang="ko-KR" sz="2400" dirty="0">
+                <a:latin typeface="맑은 고딕" panose="020B0503020000020004" pitchFamily="50" charset="-127"/>
+                <a:ea typeface="맑은 고딕" panose="020B0503020000020004" pitchFamily="50" charset="-127"/>
+              </a:rPr>
+              <a:t> : https://github.com/Jyung01/cloud23.git</a:t>
+            </a:r>
             <a:endParaRPr lang="ko-KR" altLang="en-US" sz="2400" dirty="0">
               <a:latin typeface="맑은 고딕" panose="020B0503020000020004" pitchFamily="50" charset="-127"/>
               <a:ea typeface="맑은 고딕" panose="020B0503020000020004" pitchFamily="50" charset="-127"/>
